--- a/PPT/25_直线.pptx
+++ b/PPT/25_直线.pptx
@@ -330,7 +330,7 @@
               <a:pPr>
                 <a:defRPr/>
               </a:pPr>
-              <a:t>2017/8/18</a:t>
+              <a:t>2017/8/22</a:t>
             </a:fld>
             <a:endParaRPr lang="zh-CN" altLang="en-US" sz="1200"/>
           </a:p>
@@ -4353,8 +4353,8 @@
           </a:p>
         </p:txBody>
       </p:sp>
-      <mc:AlternateContent xmlns:mc="http://schemas.openxmlformats.org/markup-compatibility/2006" xmlns:a14="http://schemas.microsoft.com/office/drawing/2010/main">
-        <mc:Choice Requires="a14">
+      <mc:AlternateContent xmlns:mc="http://schemas.openxmlformats.org/markup-compatibility/2006">
+        <mc:Choice xmlns:a14="http://schemas.microsoft.com/office/drawing/2010/main" Requires="a14">
           <p:sp>
             <p:nvSpPr>
               <p:cNvPr id="4" name="Content Placeholder 3">
@@ -4692,19 +4692,6 @@
                       <m:jc m:val="centerGroup"/>
                     </m:oMathParaPr>
                     <m:oMath xmlns:m="http://schemas.openxmlformats.org/officeDocument/2006/math">
-                      <m:r>
-                        <a:rPr lang="en-US" altLang="zh-CN" sz="1800" i="1">
-                          <a:solidFill>
-                            <a:schemeClr val="tx1">
-                              <a:lumMod val="65000"/>
-                              <a:lumOff val="35000"/>
-                            </a:schemeClr>
-                          </a:solidFill>
-                          <a:latin typeface="Cambria Math" panose="02040503050406030204" pitchFamily="18" charset="0"/>
-                          <a:ea typeface="微软雅黑 Light" panose="020B0502040204020203" pitchFamily="34" charset="-122"/>
-                        </a:rPr>
-                        <m:t>𝑝</m:t>
-                      </m:r>
                       <m:r>
                         <a:rPr lang="en-US" altLang="zh-CN" sz="1800" b="0" i="1" smtClean="0">
                           <a:solidFill>
@@ -5120,7 +5107,7 @@
             </p:txBody>
           </p:sp>
         </mc:Choice>
-        <mc:Fallback xmlns="">
+        <mc:Fallback>
           <p:sp>
             <p:nvSpPr>
               <p:cNvPr id="4" name="Content Placeholder 3">
